--- a/Spring.pptx
+++ b/Spring.pptx
@@ -262,7 +262,7 @@
             <a:fld id="{3982A964-D301-4195-B78A-3A8A04E26EB4}" type="datetimeFigureOut">
               <a:rPr lang="zh-CN" altLang="en-US" smtClean="0"/>
               <a:pPr/>
-              <a:t>2016/5/13</a:t>
+              <a:t>2017/2/3</a:t>
             </a:fld>
             <a:endParaRPr lang="zh-CN" altLang="en-US"/>
           </a:p>
@@ -575,20 +575,36 @@
           <a:lstStyle/>
           <a:p>
             <a:r>
-              <a:rPr lang="en-US" altLang="zh-CN" smtClean="0"/>
+              <a:rPr lang="en-US" altLang="zh-CN" dirty="0" smtClean="0"/>
               <a:t>IFE</a:t>
             </a:r>
             <a:r>
-              <a:rPr lang="zh-CN" altLang="en-US" smtClean="0"/>
-              <a:t>目前</a:t>
-            </a:r>
-            <a:r>
               <a:rPr lang="zh-CN" altLang="en-US" dirty="0" smtClean="0"/>
-              <a:t>使用的就是</a:t>
-            </a:r>
-            <a:r>
-              <a:rPr lang="en-US" altLang="zh-CN" dirty="0" smtClean="0"/>
-              <a:t>tomcat</a:t>
+              <a:t>目前使用的就是</a:t>
+            </a:r>
+            <a:r>
+              <a:rPr lang="en-US" altLang="zh-CN" dirty="0" smtClean="0"/>
+              <a:t>tomcat,</a:t>
+            </a:r>
+            <a:r>
+              <a:rPr lang="zh-CN" altLang="en-US" dirty="0" smtClean="0"/>
+              <a:t>同时也使用了</a:t>
+            </a:r>
+            <a:r>
+              <a:rPr lang="en-US" altLang="zh-CN" dirty="0" smtClean="0"/>
+              <a:t>apache</a:t>
+            </a:r>
+            <a:r>
+              <a:rPr lang="zh-CN" altLang="en-US" dirty="0" smtClean="0"/>
+              <a:t>服务作为</a:t>
+            </a:r>
+            <a:r>
+              <a:rPr lang="en-US" altLang="zh-CN" dirty="0" smtClean="0"/>
+              <a:t>http</a:t>
+            </a:r>
+            <a:r>
+              <a:rPr lang="zh-CN" altLang="en-US" baseline="0" smtClean="0"/>
+              <a:t>文件静态服务</a:t>
             </a:r>
             <a:endParaRPr lang="zh-CN" altLang="en-US" dirty="0"/>
           </a:p>
@@ -7900,7 +7916,7 @@
             <a:fld id="{ABBB4722-7C41-4784-8400-1EFB786D68FC}" type="datetimeFigureOut">
               <a:rPr lang="zh-CN" altLang="en-US" smtClean="0"/>
               <a:pPr/>
-              <a:t>2016/5/13</a:t>
+              <a:t>2017/2/3</a:t>
             </a:fld>
             <a:endParaRPr lang="zh-CN" altLang="en-US"/>
           </a:p>
@@ -8067,7 +8083,7 @@
             <a:fld id="{ABBB4722-7C41-4784-8400-1EFB786D68FC}" type="datetimeFigureOut">
               <a:rPr lang="zh-CN" altLang="en-US" smtClean="0"/>
               <a:pPr/>
-              <a:t>2016/5/13</a:t>
+              <a:t>2017/2/3</a:t>
             </a:fld>
             <a:endParaRPr lang="zh-CN" altLang="en-US"/>
           </a:p>
@@ -8244,7 +8260,7 @@
             <a:fld id="{ABBB4722-7C41-4784-8400-1EFB786D68FC}" type="datetimeFigureOut">
               <a:rPr lang="zh-CN" altLang="en-US" smtClean="0"/>
               <a:pPr/>
-              <a:t>2016/5/13</a:t>
+              <a:t>2017/2/3</a:t>
             </a:fld>
             <a:endParaRPr lang="zh-CN" altLang="en-US"/>
           </a:p>
@@ -8411,7 +8427,7 @@
             <a:fld id="{ABBB4722-7C41-4784-8400-1EFB786D68FC}" type="datetimeFigureOut">
               <a:rPr lang="zh-CN" altLang="en-US" smtClean="0"/>
               <a:pPr/>
-              <a:t>2016/5/13</a:t>
+              <a:t>2017/2/3</a:t>
             </a:fld>
             <a:endParaRPr lang="zh-CN" altLang="en-US"/>
           </a:p>
@@ -8654,7 +8670,7 @@
             <a:fld id="{ABBB4722-7C41-4784-8400-1EFB786D68FC}" type="datetimeFigureOut">
               <a:rPr lang="zh-CN" altLang="en-US" smtClean="0"/>
               <a:pPr/>
-              <a:t>2016/5/13</a:t>
+              <a:t>2017/2/3</a:t>
             </a:fld>
             <a:endParaRPr lang="zh-CN" altLang="en-US"/>
           </a:p>
@@ -8939,7 +8955,7 @@
             <a:fld id="{ABBB4722-7C41-4784-8400-1EFB786D68FC}" type="datetimeFigureOut">
               <a:rPr lang="zh-CN" altLang="en-US" smtClean="0"/>
               <a:pPr/>
-              <a:t>2016/5/13</a:t>
+              <a:t>2017/2/3</a:t>
             </a:fld>
             <a:endParaRPr lang="zh-CN" altLang="en-US"/>
           </a:p>
@@ -9358,7 +9374,7 @@
             <a:fld id="{ABBB4722-7C41-4784-8400-1EFB786D68FC}" type="datetimeFigureOut">
               <a:rPr lang="zh-CN" altLang="en-US" smtClean="0"/>
               <a:pPr/>
-              <a:t>2016/5/13</a:t>
+              <a:t>2017/2/3</a:t>
             </a:fld>
             <a:endParaRPr lang="zh-CN" altLang="en-US"/>
           </a:p>
@@ -9473,7 +9489,7 @@
             <a:fld id="{ABBB4722-7C41-4784-8400-1EFB786D68FC}" type="datetimeFigureOut">
               <a:rPr lang="zh-CN" altLang="en-US" smtClean="0"/>
               <a:pPr/>
-              <a:t>2016/5/13</a:t>
+              <a:t>2017/2/3</a:t>
             </a:fld>
             <a:endParaRPr lang="zh-CN" altLang="en-US"/>
           </a:p>
@@ -9565,7 +9581,7 @@
             <a:fld id="{ABBB4722-7C41-4784-8400-1EFB786D68FC}" type="datetimeFigureOut">
               <a:rPr lang="zh-CN" altLang="en-US" smtClean="0"/>
               <a:pPr/>
-              <a:t>2016/5/13</a:t>
+              <a:t>2017/2/3</a:t>
             </a:fld>
             <a:endParaRPr lang="zh-CN" altLang="en-US"/>
           </a:p>
@@ -9839,7 +9855,7 @@
             <a:fld id="{ABBB4722-7C41-4784-8400-1EFB786D68FC}" type="datetimeFigureOut">
               <a:rPr lang="zh-CN" altLang="en-US" smtClean="0"/>
               <a:pPr/>
-              <a:t>2016/5/13</a:t>
+              <a:t>2017/2/3</a:t>
             </a:fld>
             <a:endParaRPr lang="zh-CN" altLang="en-US"/>
           </a:p>
@@ -10089,7 +10105,7 @@
             <a:fld id="{ABBB4722-7C41-4784-8400-1EFB786D68FC}" type="datetimeFigureOut">
               <a:rPr lang="zh-CN" altLang="en-US" smtClean="0"/>
               <a:pPr/>
-              <a:t>2016/5/13</a:t>
+              <a:t>2017/2/3</a:t>
             </a:fld>
             <a:endParaRPr lang="zh-CN" altLang="en-US"/>
           </a:p>
@@ -10299,7 +10315,7 @@
             <a:fld id="{ABBB4722-7C41-4784-8400-1EFB786D68FC}" type="datetimeFigureOut">
               <a:rPr lang="zh-CN" altLang="en-US" smtClean="0"/>
               <a:pPr/>
-              <a:t>2016/5/13</a:t>
+              <a:t>2017/2/3</a:t>
             </a:fld>
             <a:endParaRPr lang="zh-CN" altLang="en-US"/>
           </a:p>
@@ -11848,24 +11864,16 @@
             </a:r>
             <a:r>
               <a:rPr lang="en-US" altLang="zh-CN" sz="2000" dirty="0" smtClean="0"/>
-              <a:t>&lt;/servlet-name</a:t>
-            </a:r>
+              <a:t>&lt;/servlet-name&gt;</a:t>
+            </a:r>
+          </a:p>
+          <a:p>
+            <a:pPr lvl="1">
+              <a:buNone/>
+            </a:pPr>
             <a:r>
               <a:rPr lang="en-US" altLang="zh-CN" sz="2000" dirty="0" smtClean="0"/>
-              <a:t>&gt;</a:t>
-            </a:r>
-          </a:p>
-          <a:p>
-            <a:pPr lvl="1">
-              <a:buNone/>
-            </a:pPr>
-            <a:r>
-              <a:rPr lang="en-US" altLang="zh-CN" sz="2000" dirty="0" smtClean="0"/>
-              <a:t>&lt;</a:t>
-            </a:r>
-            <a:r>
-              <a:rPr lang="en-US" altLang="zh-CN" sz="2000" dirty="0" smtClean="0"/>
-              <a:t>servlet-class&gt;</a:t>
+              <a:t>&lt;servlet-class&gt;</a:t>
             </a:r>
             <a:r>
               <a:rPr lang="en-US" altLang="zh-CN" sz="2000" dirty="0" err="1" smtClean="0"/>
@@ -11873,11 +11881,7 @@
             </a:r>
             <a:r>
               <a:rPr lang="en-US" altLang="zh-CN" sz="2000" dirty="0" smtClean="0"/>
-              <a:t>&lt;/servlet-class</a:t>
-            </a:r>
-            <a:r>
-              <a:rPr lang="en-US" altLang="zh-CN" sz="2000" dirty="0" smtClean="0"/>
-              <a:t>&gt;</a:t>
+              <a:t>&lt;/servlet-class&gt;</a:t>
             </a:r>
           </a:p>
           <a:p>
@@ -11895,11 +11899,7 @@
             </a:pPr>
             <a:r>
               <a:rPr lang="en-US" altLang="zh-CN" sz="2800" dirty="0" smtClean="0"/>
-              <a:t>&lt;/</a:t>
-            </a:r>
-            <a:r>
-              <a:rPr lang="en-US" altLang="zh-CN" sz="2800" dirty="0" smtClean="0"/>
-              <a:t>servlet&gt;</a:t>
+              <a:t>&lt;/servlet&gt;</a:t>
             </a:r>
           </a:p>
           <a:p>
@@ -12072,13 +12072,8 @@
             </a:r>
             <a:r>
               <a:rPr lang="zh-CN" altLang="en-US" dirty="0" smtClean="0"/>
-              <a:t>的</a:t>
-            </a:r>
-            <a:r>
-              <a:rPr lang="zh-CN" altLang="en-US" dirty="0" smtClean="0"/>
-              <a:t>名称</a:t>
-            </a:r>
-            <a:endParaRPr lang="zh-CN" altLang="en-US" dirty="0" smtClean="0"/>
+              <a:t>的名称</a:t>
+            </a:r>
           </a:p>
           <a:p>
             <a:r>
@@ -12095,11 +12090,7 @@
             </a:r>
             <a:r>
               <a:rPr lang="zh-CN" altLang="en-US" dirty="0" smtClean="0"/>
-              <a:t>的类</a:t>
-            </a:r>
-            <a:r>
-              <a:rPr lang="zh-CN" altLang="en-US" dirty="0" smtClean="0"/>
-              <a:t>名称</a:t>
+              <a:t>的类名称</a:t>
             </a:r>
             <a:endParaRPr lang="en-US" altLang="zh-CN" dirty="0" smtClean="0"/>
           </a:p>
@@ -12109,11 +12100,7 @@
           <a:p>
             <a:r>
               <a:rPr lang="en-US" altLang="zh-CN" dirty="0" smtClean="0"/>
-              <a:t>&lt;</a:t>
-            </a:r>
-            <a:r>
-              <a:rPr lang="en-US" altLang="zh-CN" dirty="0" smtClean="0"/>
-              <a:t>init-</a:t>
+              <a:t>&lt;init-</a:t>
             </a:r>
             <a:r>
               <a:rPr lang="en-US" altLang="zh-CN" dirty="0" err="1" smtClean="0"/>
@@ -12161,11 +12148,7 @@
             </a:r>
             <a:r>
               <a:rPr lang="zh-CN" altLang="en-US" dirty="0" smtClean="0"/>
-              <a:t>方法访问初始化</a:t>
-            </a:r>
-            <a:r>
-              <a:rPr lang="zh-CN" altLang="en-US" dirty="0" smtClean="0"/>
-              <a:t>参数</a:t>
+              <a:t>方法访问初始化参数</a:t>
             </a:r>
             <a:endParaRPr lang="en-US" altLang="zh-CN" dirty="0" smtClean="0"/>
           </a:p>
@@ -12243,11 +12226,7 @@
             </a:r>
             <a:r>
               <a:rPr lang="zh-CN" altLang="en-US" dirty="0" smtClean="0"/>
-              <a:t>时加载它</a:t>
-            </a:r>
-            <a:r>
-              <a:rPr lang="zh-CN" altLang="en-US" dirty="0" smtClean="0"/>
-              <a:t>。</a:t>
+              <a:t>时加载它。</a:t>
             </a:r>
             <a:endParaRPr lang="en-US" altLang="zh-CN" dirty="0" smtClean="0"/>
           </a:p>
@@ -12277,11 +12256,7 @@
             </a:r>
             <a:r>
               <a:rPr lang="zh-CN" altLang="en-US" dirty="0" smtClean="0"/>
-              <a:t>，包含两个子</a:t>
-            </a:r>
-            <a:r>
-              <a:rPr lang="zh-CN" altLang="en-US" dirty="0" smtClean="0"/>
-              <a:t>元素</a:t>
+              <a:t>，包含两个子元素</a:t>
             </a:r>
             <a:endParaRPr lang="en-US" altLang="zh-CN" dirty="0" smtClean="0"/>
           </a:p>
@@ -15272,11 +15247,7 @@
             </a:pPr>
             <a:r>
               <a:rPr lang="en-US" altLang="zh-CN" sz="1800" dirty="0" smtClean="0"/>
-              <a:t>	&lt;</a:t>
-            </a:r>
-            <a:r>
-              <a:rPr lang="en-US" altLang="zh-CN" sz="1800" dirty="0" smtClean="0"/>
-              <a:t>filter-name&gt;</a:t>
+              <a:t>	&lt;filter-name&gt;</a:t>
             </a:r>
             <a:r>
               <a:rPr lang="en-US" altLang="zh-CN" sz="1800" dirty="0" err="1" smtClean="0"/>
@@ -15293,11 +15264,7 @@
             </a:pPr>
             <a:r>
               <a:rPr lang="en-US" altLang="zh-CN" sz="1800" dirty="0" smtClean="0"/>
-              <a:t>	&lt;</a:t>
-            </a:r>
-            <a:r>
-              <a:rPr lang="en-US" altLang="zh-CN" sz="1800" dirty="0" smtClean="0"/>
-              <a:t>filter-class&gt;</a:t>
+              <a:t>	&lt;filter-class&gt;</a:t>
             </a:r>
             <a:r>
               <a:rPr lang="en-US" altLang="zh-CN" sz="1800" dirty="0" err="1" smtClean="0"/>
@@ -15314,11 +15281,7 @@
             </a:pPr>
             <a:r>
               <a:rPr lang="en-US" altLang="zh-CN" sz="1800" dirty="0" smtClean="0"/>
-              <a:t>	&lt;</a:t>
-            </a:r>
-            <a:r>
-              <a:rPr lang="en-US" altLang="zh-CN" sz="1800" dirty="0" smtClean="0"/>
-              <a:t>init-</a:t>
+              <a:t>	&lt;init-</a:t>
             </a:r>
             <a:r>
               <a:rPr lang="en-US" altLang="zh-CN" sz="1800" dirty="0" err="1" smtClean="0"/>
@@ -15385,11 +15348,7 @@
             </a:pPr>
             <a:r>
               <a:rPr lang="en-US" altLang="zh-CN" sz="1800" dirty="0" smtClean="0"/>
-              <a:t>	&lt;/</a:t>
-            </a:r>
-            <a:r>
-              <a:rPr lang="en-US" altLang="zh-CN" sz="1800" dirty="0" smtClean="0"/>
-              <a:t>init-</a:t>
+              <a:t>	&lt;/init-</a:t>
             </a:r>
             <a:r>
               <a:rPr lang="en-US" altLang="zh-CN" sz="1800" dirty="0" err="1" smtClean="0"/>
@@ -15406,11 +15365,7 @@
             </a:pPr>
             <a:r>
               <a:rPr lang="en-US" altLang="zh-CN" sz="1800" dirty="0" smtClean="0"/>
-              <a:t>	&lt;</a:t>
-            </a:r>
-            <a:r>
-              <a:rPr lang="en-US" altLang="zh-CN" sz="1800" dirty="0" smtClean="0"/>
-              <a:t>init-</a:t>
+              <a:t>	&lt;init-</a:t>
             </a:r>
             <a:r>
               <a:rPr lang="en-US" altLang="zh-CN" sz="1800" dirty="0" err="1" smtClean="0"/>
@@ -15485,11 +15440,7 @@
             </a:pPr>
             <a:r>
               <a:rPr lang="en-US" altLang="zh-CN" sz="1800" dirty="0" smtClean="0"/>
-              <a:t>	&lt;/</a:t>
-            </a:r>
-            <a:r>
-              <a:rPr lang="en-US" altLang="zh-CN" sz="1800" dirty="0" smtClean="0"/>
-              <a:t>init-</a:t>
+              <a:t>	&lt;/init-</a:t>
             </a:r>
             <a:r>
               <a:rPr lang="en-US" altLang="zh-CN" sz="1800" dirty="0" err="1" smtClean="0"/>
@@ -15667,11 +15618,7 @@
             </a:pPr>
             <a:r>
               <a:rPr lang="en-US" altLang="zh-CN" b="1" dirty="0" smtClean="0"/>
-              <a:t>	if </a:t>
-            </a:r>
-            <a:r>
-              <a:rPr lang="en-US" altLang="zh-CN" b="1" dirty="0" smtClean="0"/>
-              <a:t>(</a:t>
+              <a:t>	if (</a:t>
             </a:r>
             <a:r>
               <a:rPr lang="en-US" altLang="zh-CN" b="1" dirty="0" err="1" smtClean="0"/>
@@ -15729,11 +15676,7 @@
             </a:pPr>
             <a:r>
               <a:rPr lang="en-US" altLang="zh-CN" b="1" dirty="0" smtClean="0"/>
-              <a:t>		if </a:t>
-            </a:r>
-            <a:r>
-              <a:rPr lang="en-US" altLang="zh-CN" b="1" dirty="0" smtClean="0"/>
-              <a:t>(</a:t>
+              <a:t>		if (</a:t>
             </a:r>
             <a:r>
               <a:rPr lang="en-US" altLang="zh-CN" b="1" dirty="0" err="1" smtClean="0"/>
@@ -15777,7 +15720,6 @@
               <a:rPr lang="en-US" altLang="zh-CN" dirty="0" smtClean="0"/>
               <a:t>		}</a:t>
             </a:r>
-            <a:endParaRPr lang="en-US" altLang="zh-CN" dirty="0" smtClean="0"/>
           </a:p>
           <a:p>
             <a:pPr>
@@ -15787,7 +15729,6 @@
               <a:rPr lang="en-US" altLang="zh-CN" dirty="0" smtClean="0"/>
               <a:t>	}</a:t>
             </a:r>
-            <a:endParaRPr lang="en-US" altLang="zh-CN" dirty="0" smtClean="0"/>
           </a:p>
           <a:p>
             <a:pPr>
@@ -15803,11 +15744,7 @@
             </a:r>
             <a:r>
               <a:rPr lang="en-US" altLang="zh-CN" dirty="0" smtClean="0"/>
-              <a:t>(request</a:t>
-            </a:r>
-            <a:r>
-              <a:rPr lang="en-US" altLang="zh-CN" dirty="0" smtClean="0"/>
-              <a:t>, response);</a:t>
+              <a:t>(request, response);</a:t>
             </a:r>
           </a:p>
           <a:p>
@@ -25620,15 +25557,7 @@
             </a:pPr>
             <a:r>
               <a:rPr lang="en-US" altLang="zh-CN" dirty="0" smtClean="0"/>
-              <a:t>  </a:t>
-            </a:r>
-            <a:r>
-              <a:rPr lang="en-US" altLang="zh-CN" dirty="0" smtClean="0"/>
-              <a:t>   </a:t>
-            </a:r>
-            <a:r>
-              <a:rPr lang="en-US" altLang="zh-CN" dirty="0" smtClean="0"/>
-              <a:t>└─WEB-INF</a:t>
+              <a:t>     └─WEB-INF</a:t>
             </a:r>
           </a:p>
           <a:p>
@@ -25646,15 +25575,7 @@
             </a:pPr>
             <a:r>
               <a:rPr lang="en-US" altLang="zh-CN" dirty="0" smtClean="0"/>
-              <a:t>   </a:t>
-            </a:r>
-            <a:r>
-              <a:rPr lang="en-US" altLang="zh-CN" dirty="0" smtClean="0"/>
-              <a:t>      </a:t>
-            </a:r>
-            <a:r>
-              <a:rPr lang="en-US" altLang="zh-CN" dirty="0" smtClean="0"/>
-              <a:t>└─lib</a:t>
+              <a:t>         └─lib</a:t>
             </a:r>
           </a:p>
         </p:txBody>
@@ -27233,8 +27154,12 @@
           <a:lstStyle/>
           <a:p>
             <a:r>
+              <a:rPr lang="en-US" altLang="zh-CN" dirty="0" smtClean="0"/>
+              <a:t>web.xml</a:t>
+            </a:r>
+            <a:r>
               <a:rPr lang="zh-CN" altLang="en-US" dirty="0" smtClean="0"/>
-              <a:t>一般的</a:t>
+              <a:t>是</a:t>
             </a:r>
             <a:r>
               <a:rPr lang="en-US" altLang="zh-CN" dirty="0" smtClean="0"/>
@@ -27242,43 +27167,23 @@
             </a:r>
             <a:r>
               <a:rPr lang="zh-CN" altLang="en-US" dirty="0" smtClean="0"/>
-              <a:t>工程中都会用到</a:t>
-            </a:r>
-            <a:r>
-              <a:rPr lang="en-US" altLang="zh-CN" dirty="0" smtClean="0"/>
-              <a:t>web.xml</a:t>
+              <a:t>工程的配置文件。主要</a:t>
             </a:r>
             <a:r>
               <a:rPr lang="zh-CN" altLang="en-US" dirty="0" smtClean="0"/>
-              <a:t>，</a:t>
-            </a:r>
-            <a:r>
-              <a:rPr lang="en-US" altLang="zh-CN" dirty="0" smtClean="0"/>
-              <a:t>web.xml</a:t>
+              <a:t>用来</a:t>
             </a:r>
             <a:r>
               <a:rPr lang="zh-CN" altLang="en-US" dirty="0" smtClean="0"/>
-              <a:t>主要用来配置，可以方便的开发</a:t>
-            </a:r>
-            <a:r>
-              <a:rPr lang="en-US" altLang="zh-CN" dirty="0" smtClean="0"/>
-              <a:t>web</a:t>
-            </a:r>
-            <a:r>
-              <a:rPr lang="zh-CN" altLang="en-US" dirty="0" smtClean="0"/>
-              <a:t>工程。</a:t>
-            </a:r>
-            <a:r>
-              <a:rPr lang="en-US" altLang="zh-CN" dirty="0" smtClean="0"/>
-              <a:t>web.xml</a:t>
-            </a:r>
-            <a:r>
-              <a:rPr lang="zh-CN" altLang="en-US" dirty="0" smtClean="0"/>
-              <a:t>主要用来配置</a:t>
-            </a:r>
-            <a:r>
-              <a:rPr lang="en-US" altLang="zh-CN" dirty="0" smtClean="0"/>
-              <a:t>Filter</a:t>
+              <a:t>配置</a:t>
+            </a:r>
+            <a:r>
+              <a:rPr lang="en-US" altLang="zh-CN" dirty="0" smtClean="0"/>
+              <a:t>f</a:t>
+            </a:r>
+            <a:r>
+              <a:rPr lang="en-US" altLang="zh-CN" dirty="0" smtClean="0"/>
+              <a:t>ilter</a:t>
             </a:r>
             <a:r>
               <a:rPr lang="zh-CN" altLang="en-US" dirty="0" smtClean="0"/>
@@ -27286,15 +27191,15 @@
             </a:r>
             <a:r>
               <a:rPr lang="en-US" altLang="zh-CN" dirty="0" smtClean="0"/>
-              <a:t>Listener</a:t>
+              <a:t>listener</a:t>
             </a:r>
             <a:r>
               <a:rPr lang="zh-CN" altLang="en-US" dirty="0" smtClean="0"/>
               <a:t>、</a:t>
             </a:r>
             <a:r>
-              <a:rPr lang="en-US" altLang="zh-CN" dirty="0" smtClean="0"/>
-              <a:t>Servlet</a:t>
+              <a:rPr lang="en-US" altLang="zh-CN" dirty="0" err="1" smtClean="0"/>
+              <a:t>servlet</a:t>
             </a:r>
             <a:r>
               <a:rPr lang="zh-CN" altLang="en-US" dirty="0" smtClean="0"/>
